--- a/00_Syllabus.pptx
+++ b/00_Syllabus.pptx
@@ -297,7 +297,7 @@
             <a:pPr algn="r">
               <a:buNone/>
             </a:pPr>
-            <a:fld id="{0F919FCB-7B92-428C-8FA6-40AA45EF0F05}" type="slidenum">
+            <a:fld id="{FB86430A-463F-4361-A537-DB16B829D0AA}" type="slidenum">
               <a:rPr b="0" lang="en-US" sz="1400" spc="-1" strike="noStrike">
                 <a:latin typeface="Times New Roman"/>
               </a:rPr>
@@ -345,7 +345,7 @@
         <p:spPr>
           <a:xfrm>
             <a:off x="1143000" y="685800"/>
-            <a:ext cx="4562280" cy="3419280"/>
+            <a:ext cx="4561920" cy="3418920"/>
           </a:xfrm>
           <a:prstGeom prst="rect">
             <a:avLst/>
@@ -368,7 +368,7 @@
         <p:spPr>
           <a:xfrm>
             <a:off x="685800" y="4343400"/>
-            <a:ext cx="5476320" cy="4104720"/>
+            <a:ext cx="5475960" cy="4104360"/>
           </a:xfrm>
           <a:prstGeom prst="rect">
             <a:avLst/>
@@ -402,7 +402,7 @@
         <p:spPr>
           <a:xfrm>
             <a:off x="3884760" y="8685360"/>
-            <a:ext cx="2961720" cy="447120"/>
+            <a:ext cx="2961360" cy="446760"/>
           </a:xfrm>
           <a:prstGeom prst="rect">
             <a:avLst/>
@@ -438,7 +438,7 @@
               </a:lnSpc>
               <a:buNone/>
             </a:pPr>
-            <a:fld id="{37E20B3B-05E2-406A-B85C-4C128350DE61}" type="slidenum">
+            <a:fld id="{2CA10233-C475-4170-BB22-10D676C24663}" type="slidenum">
               <a:rPr b="0" lang="en-US" sz="1200" spc="-1" strike="noStrike">
                 <a:solidFill>
                   <a:srgbClr val="000000"/>
@@ -510,7 +510,7 @@
         <p:txBody>
           <a:bodyPr/>
           <a:p>
-            <a:fld id="{36A1B6A9-516A-45C3-BBC8-2B41385B5878}" type="slidenum">
+            <a:fld id="{E0220B09-0FF9-4C12-826D-C65C98403470}" type="slidenum">
               <a:t>&lt;#&gt;</a:t>
             </a:fld>
           </a:p>
@@ -698,7 +698,7 @@
         <p:txBody>
           <a:bodyPr/>
           <a:p>
-            <a:fld id="{63F5DF71-B997-4ACE-A121-DE5BC6017162}" type="slidenum">
+            <a:fld id="{48502A0A-7B21-4C74-A284-2398D5CE1BD7}" type="slidenum">
               <a:t>&lt;#&gt;</a:t>
             </a:fld>
           </a:p>
@@ -954,7 +954,7 @@
         <p:txBody>
           <a:bodyPr/>
           <a:p>
-            <a:fld id="{0AA84A0E-7E79-4EE6-BC85-4DA004793479}" type="slidenum">
+            <a:fld id="{19780C6B-9FD1-415E-8D59-B9334C10724D}" type="slidenum">
               <a:t>&lt;#&gt;</a:t>
             </a:fld>
           </a:p>
@@ -1278,7 +1278,7 @@
         <p:txBody>
           <a:bodyPr/>
           <a:p>
-            <a:fld id="{2917EAB4-858D-46D5-8AB1-9DEA7E3AFC0D}" type="slidenum">
+            <a:fld id="{04DDA11B-22BF-41D5-8BDE-3E338D287C4B}" type="slidenum">
               <a:t>&lt;#&gt;</a:t>
             </a:fld>
           </a:p>
@@ -1361,7 +1361,7 @@
         <p:txBody>
           <a:bodyPr/>
           <a:p>
-            <a:fld id="{FD2D7384-7650-4EF3-B574-658AF005A07C}" type="slidenum">
+            <a:fld id="{4458FB21-0CD7-446A-8ECF-661906F15368}" type="slidenum">
               <a:t>&lt;#&gt;</a:t>
             </a:fld>
           </a:p>
@@ -1518,7 +1518,7 @@
         <p:txBody>
           <a:bodyPr/>
           <a:p>
-            <a:fld id="{D9C67E55-DDB7-4ABE-AC65-5D1674BDF06F}" type="slidenum">
+            <a:fld id="{92361C77-7B71-4472-AA12-4A9C82BF4896}" type="slidenum">
               <a:t>&lt;#&gt;</a:t>
             </a:fld>
           </a:p>
@@ -1672,7 +1672,7 @@
         <p:txBody>
           <a:bodyPr/>
           <a:p>
-            <a:fld id="{54CE8167-C95B-436B-B27F-CFCFFA1D5127}" type="slidenum">
+            <a:fld id="{716A67C2-16CB-43F7-824A-B497BFBDB298}" type="slidenum">
               <a:t>&lt;#&gt;</a:t>
             </a:fld>
           </a:p>
@@ -1860,7 +1860,7 @@
         <p:txBody>
           <a:bodyPr/>
           <a:p>
-            <a:fld id="{A9A7C4C0-873A-42EB-B612-EF13000C9E9C}" type="slidenum">
+            <a:fld id="{5C26DE8A-9B85-461E-83DA-F2E4FD646978}" type="slidenum">
               <a:t>&lt;#&gt;</a:t>
             </a:fld>
           </a:p>
@@ -1980,7 +1980,7 @@
         <p:txBody>
           <a:bodyPr/>
           <a:p>
-            <a:fld id="{42D73AD5-5844-467D-9407-4E24DB5567F2}" type="slidenum">
+            <a:fld id="{74369C76-09F6-41F6-96B8-F8CC582D35DC}" type="slidenum">
               <a:t>&lt;#&gt;</a:t>
             </a:fld>
           </a:p>
@@ -2100,7 +2100,7 @@
         <p:txBody>
           <a:bodyPr/>
           <a:p>
-            <a:fld id="{6A3F994C-F52F-4BA8-9900-5C45B7A029A4}" type="slidenum">
+            <a:fld id="{2D580C60-BF83-4AD1-9B29-463D24103342}" type="slidenum">
               <a:t>&lt;#&gt;</a:t>
             </a:fld>
           </a:p>
@@ -2322,7 +2322,7 @@
         <p:txBody>
           <a:bodyPr/>
           <a:p>
-            <a:fld id="{36F56673-5D90-4B9D-887C-010CA0462FD0}" type="slidenum">
+            <a:fld id="{42441399-8366-476B-9026-39CDEA8517C0}" type="slidenum">
               <a:t>&lt;#&gt;</a:t>
             </a:fld>
           </a:p>
@@ -2479,7 +2479,7 @@
         <p:txBody>
           <a:bodyPr/>
           <a:p>
-            <a:fld id="{870F9DCD-A85C-461E-AAD9-BA9AF444B9F4}" type="slidenum">
+            <a:fld id="{96F2A00A-9D16-4D4F-AD51-2651F4EF580A}" type="slidenum">
               <a:t>&lt;#&gt;</a:t>
             </a:fld>
           </a:p>
@@ -2701,7 +2701,7 @@
         <p:txBody>
           <a:bodyPr/>
           <a:p>
-            <a:fld id="{870B4003-1ED9-46ED-9A96-31B60E440FC6}" type="slidenum">
+            <a:fld id="{78BF5DD6-212D-409C-AFDF-1937FCA6AF75}" type="slidenum">
               <a:t>&lt;#&gt;</a:t>
             </a:fld>
           </a:p>
@@ -2923,7 +2923,7 @@
         <p:txBody>
           <a:bodyPr/>
           <a:p>
-            <a:fld id="{C33DF60E-277F-4E4D-894F-7C436C6D9DA7}" type="slidenum">
+            <a:fld id="{E2146B0D-162A-4F5A-9416-65B75F0EBB72}" type="slidenum">
               <a:t>&lt;#&gt;</a:t>
             </a:fld>
           </a:p>
@@ -3111,7 +3111,7 @@
         <p:txBody>
           <a:bodyPr/>
           <a:p>
-            <a:fld id="{942CCE8C-F708-4DAA-8710-03390678FD7E}" type="slidenum">
+            <a:fld id="{55111265-1228-4E6B-AF63-B4CF142DE1A8}" type="slidenum">
               <a:t>&lt;#&gt;</a:t>
             </a:fld>
           </a:p>
@@ -3367,7 +3367,7 @@
         <p:txBody>
           <a:bodyPr/>
           <a:p>
-            <a:fld id="{621BAD31-D421-4AA3-9A96-112F2CCFBA24}" type="slidenum">
+            <a:fld id="{7846AD69-75EC-46C8-8155-A160F9339445}" type="slidenum">
               <a:t>&lt;#&gt;</a:t>
             </a:fld>
           </a:p>
@@ -3691,7 +3691,7 @@
         <p:txBody>
           <a:bodyPr/>
           <a:p>
-            <a:fld id="{DBBEE484-987D-4451-9A81-B6F21EDB2F2B}" type="slidenum">
+            <a:fld id="{1A3CF9C7-08E8-4C2A-AEFA-8E93E66D87EA}" type="slidenum">
               <a:t>&lt;#&gt;</a:t>
             </a:fld>
           </a:p>
@@ -3845,7 +3845,7 @@
         <p:txBody>
           <a:bodyPr/>
           <a:p>
-            <a:fld id="{3178AB5E-1CBF-4C97-94DA-D0A47495E09B}" type="slidenum">
+            <a:fld id="{48A236CB-1D36-43C7-A27B-BE800A03B49F}" type="slidenum">
               <a:t>&lt;#&gt;</a:t>
             </a:fld>
           </a:p>
@@ -4033,7 +4033,7 @@
         <p:txBody>
           <a:bodyPr/>
           <a:p>
-            <a:fld id="{F31257C5-A381-4D1F-81E1-26352BC103C0}" type="slidenum">
+            <a:fld id="{9EA792FA-F378-4D8C-BC89-38BD72A68C1C}" type="slidenum">
               <a:t>&lt;#&gt;</a:t>
             </a:fld>
           </a:p>
@@ -4153,7 +4153,7 @@
         <p:txBody>
           <a:bodyPr/>
           <a:p>
-            <a:fld id="{25760ECA-AF7E-4DDC-AA71-29172461095B}" type="slidenum">
+            <a:fld id="{4DDED54D-A339-4BD9-B842-2FD012765437}" type="slidenum">
               <a:t>&lt;#&gt;</a:t>
             </a:fld>
           </a:p>
@@ -4273,7 +4273,7 @@
         <p:txBody>
           <a:bodyPr/>
           <a:p>
-            <a:fld id="{F418D5C3-AB39-4269-AF2C-57252D595B05}" type="slidenum">
+            <a:fld id="{6D8A38BE-3DB5-4BC0-863F-22702349B1B9}" type="slidenum">
               <a:t>&lt;#&gt;</a:t>
             </a:fld>
           </a:p>
@@ -4495,7 +4495,7 @@
         <p:txBody>
           <a:bodyPr/>
           <a:p>
-            <a:fld id="{56E10CD6-A118-438F-99E6-ABC5C6FA852C}" type="slidenum">
+            <a:fld id="{D2BD12A0-0083-41CC-8D01-99628F7A8A08}" type="slidenum">
               <a:t>&lt;#&gt;</a:t>
             </a:fld>
           </a:p>
@@ -4717,7 +4717,7 @@
         <p:txBody>
           <a:bodyPr/>
           <a:p>
-            <a:fld id="{B99222D2-CE71-4068-9001-A6170FD91F02}" type="slidenum">
+            <a:fld id="{49AE109C-FD6E-4932-A28C-4A9265FCA855}" type="slidenum">
               <a:t>&lt;#&gt;</a:t>
             </a:fld>
           </a:p>
@@ -4939,7 +4939,7 @@
         <p:txBody>
           <a:bodyPr/>
           <a:p>
-            <a:fld id="{71E8691B-9F8C-4837-B437-12A915D267DE}" type="slidenum">
+            <a:fld id="{0C2D9C86-CD86-44F8-AB1E-65F6E60EDA80}" type="slidenum">
               <a:t>&lt;#&gt;</a:t>
             </a:fld>
           </a:p>
@@ -5008,7 +5008,7 @@
         <p:spPr>
           <a:xfrm>
             <a:off x="3124080" y="6356520"/>
-            <a:ext cx="2885400" cy="354960"/>
+            <a:ext cx="2885040" cy="354600"/>
           </a:xfrm>
           <a:prstGeom prst="rect">
             <a:avLst/>
@@ -5073,7 +5073,7 @@
         <p:spPr>
           <a:xfrm>
             <a:off x="6553080" y="6356520"/>
-            <a:ext cx="2123640" cy="354960"/>
+            <a:ext cx="2123280" cy="354600"/>
           </a:xfrm>
           <a:prstGeom prst="rect">
             <a:avLst/>
@@ -5109,7 +5109,7 @@
               </a:lnSpc>
               <a:buNone/>
             </a:pPr>
-            <a:fld id="{E586441F-C088-4888-BF72-A6EECC073218}" type="slidenum">
+            <a:fld id="{708C0EF2-31AD-450C-B4BE-34F982A87C2D}" type="slidenum">
               <a:rPr b="0" lang="en-US" sz="1200" spc="-1" strike="noStrike">
                 <a:solidFill>
                   <a:srgbClr val="8b8b8b"/>
@@ -5138,7 +5138,7 @@
         <p:spPr>
           <a:xfrm>
             <a:off x="457200" y="6356520"/>
-            <a:ext cx="2123640" cy="354960"/>
+            <a:ext cx="2123280" cy="354600"/>
           </a:xfrm>
           <a:prstGeom prst="rect">
             <a:avLst/>
@@ -5207,97 +5207,7 @@
               <a:rPr b="0" lang="en-US" sz="4400" spc="-1" strike="noStrike">
                 <a:latin typeface="Arial"/>
               </a:rPr>
-              <a:t>Cl</a:t>
-            </a:r>
-            <a:r>
-              <a:rPr b="0" lang="en-US" sz="4400" spc="-1" strike="noStrike">
-                <a:latin typeface="Arial"/>
-              </a:rPr>
-              <a:t>ic</a:t>
-            </a:r>
-            <a:r>
-              <a:rPr b="0" lang="en-US" sz="4400" spc="-1" strike="noStrike">
-                <a:latin typeface="Arial"/>
-              </a:rPr>
-              <a:t>k </a:t>
-            </a:r>
-            <a:r>
-              <a:rPr b="0" lang="en-US" sz="4400" spc="-1" strike="noStrike">
-                <a:latin typeface="Arial"/>
-              </a:rPr>
-              <a:t>to </a:t>
-            </a:r>
-            <a:r>
-              <a:rPr b="0" lang="en-US" sz="4400" spc="-1" strike="noStrike">
-                <a:latin typeface="Arial"/>
-              </a:rPr>
-              <a:t>ed</a:t>
-            </a:r>
-            <a:r>
-              <a:rPr b="0" lang="en-US" sz="4400" spc="-1" strike="noStrike">
-                <a:latin typeface="Arial"/>
-              </a:rPr>
-              <a:t>it </a:t>
-            </a:r>
-            <a:r>
-              <a:rPr b="0" lang="en-US" sz="4400" spc="-1" strike="noStrike">
-                <a:latin typeface="Arial"/>
-              </a:rPr>
-              <a:t>th</a:t>
-            </a:r>
-            <a:r>
-              <a:rPr b="0" lang="en-US" sz="4400" spc="-1" strike="noStrike">
-                <a:latin typeface="Arial"/>
-              </a:rPr>
-              <a:t>e </a:t>
-            </a:r>
-            <a:r>
-              <a:rPr b="0" lang="en-US" sz="4400" spc="-1" strike="noStrike">
-                <a:latin typeface="Arial"/>
-              </a:rPr>
-              <a:t>titl</a:t>
-            </a:r>
-            <a:r>
-              <a:rPr b="0" lang="en-US" sz="4400" spc="-1" strike="noStrike">
-                <a:latin typeface="Arial"/>
-              </a:rPr>
-              <a:t>e </a:t>
-            </a:r>
-            <a:r>
-              <a:rPr b="0" lang="en-US" sz="4400" spc="-1" strike="noStrike">
-                <a:latin typeface="Arial"/>
-              </a:rPr>
-              <a:t>te</a:t>
-            </a:r>
-            <a:r>
-              <a:rPr b="0" lang="en-US" sz="4400" spc="-1" strike="noStrike">
-                <a:latin typeface="Arial"/>
-              </a:rPr>
-              <a:t>xt </a:t>
-            </a:r>
-            <a:r>
-              <a:rPr b="0" lang="en-US" sz="4400" spc="-1" strike="noStrike">
-                <a:latin typeface="Arial"/>
-              </a:rPr>
-              <a:t>fo</a:t>
-            </a:r>
-            <a:r>
-              <a:rPr b="0" lang="en-US" sz="4400" spc="-1" strike="noStrike">
-                <a:latin typeface="Arial"/>
-              </a:rPr>
-              <a:t>r</a:t>
-            </a:r>
-            <a:r>
-              <a:rPr b="0" lang="en-US" sz="4400" spc="-1" strike="noStrike">
-                <a:latin typeface="Arial"/>
-              </a:rPr>
-              <a:t>m</a:t>
-            </a:r>
-            <a:r>
-              <a:rPr b="0" lang="en-US" sz="4400" spc="-1" strike="noStrike">
-                <a:latin typeface="Arial"/>
-              </a:rPr>
-              <a:t>at</a:t>
+              <a:t>Click to edit the title text format</a:t>
             </a:r>
             <a:endParaRPr b="0" lang="en-US" sz="4400" spc="-1" strike="noStrike">
               <a:latin typeface="Arial"/>
@@ -5545,7 +5455,7 @@
         <p:spPr>
           <a:xfrm>
             <a:off x="3124080" y="6356520"/>
-            <a:ext cx="2885400" cy="354960"/>
+            <a:ext cx="2885040" cy="354600"/>
           </a:xfrm>
           <a:prstGeom prst="rect">
             <a:avLst/>
@@ -5610,7 +5520,7 @@
         <p:spPr>
           <a:xfrm>
             <a:off x="6553080" y="6356520"/>
-            <a:ext cx="2123640" cy="354960"/>
+            <a:ext cx="2123280" cy="354600"/>
           </a:xfrm>
           <a:prstGeom prst="rect">
             <a:avLst/>
@@ -5646,7 +5556,7 @@
               </a:lnSpc>
               <a:buNone/>
             </a:pPr>
-            <a:fld id="{07ACB948-23E1-4DB4-8C83-96F360EEB7E0}" type="slidenum">
+            <a:fld id="{80018E5B-03EA-4306-A10A-6DCA25CB429E}" type="slidenum">
               <a:rPr b="0" lang="en-US" sz="1200" spc="-1" strike="noStrike">
                 <a:solidFill>
                   <a:srgbClr val="8b8b8b"/>
@@ -5675,7 +5585,7 @@
         <p:spPr>
           <a:xfrm>
             <a:off x="457200" y="6356520"/>
-            <a:ext cx="2123640" cy="354960"/>
+            <a:ext cx="2123280" cy="354600"/>
           </a:xfrm>
           <a:prstGeom prst="rect">
             <a:avLst/>
@@ -5985,7 +5895,7 @@
         <p:spPr>
           <a:xfrm>
             <a:off x="0" y="2130480"/>
-            <a:ext cx="9133920" cy="1459800"/>
+            <a:ext cx="9133560" cy="1459440"/>
           </a:xfrm>
           <a:prstGeom prst="rect">
             <a:avLst/>
@@ -6037,7 +5947,7 @@
         <p:spPr>
           <a:xfrm>
             <a:off x="1371600" y="4563360"/>
-            <a:ext cx="6390720" cy="684720"/>
+            <a:ext cx="6390360" cy="684360"/>
           </a:xfrm>
           <a:prstGeom prst="rect">
             <a:avLst/>
@@ -6093,7 +6003,7 @@
         <p:spPr>
           <a:xfrm>
             <a:off x="4212000" y="3645000"/>
-            <a:ext cx="931680" cy="902880"/>
+            <a:ext cx="931320" cy="902520"/>
           </a:xfrm>
           <a:prstGeom prst="rect">
             <a:avLst/>
@@ -6117,7 +6027,7 @@
         <p:txBody>
           <a:bodyPr/>
           <a:p>
-            <a:fld id="{83EF9189-C66E-4C93-AE37-3635E5169103}" type="slidenum">
+            <a:fld id="{12572746-A491-4B08-BD3D-531AD90E8E90}" type="slidenum">
               <a:t>1</a:t>
             </a:fld>
           </a:p>
@@ -6137,7 +6047,7 @@
         <p:txBody>
           <a:bodyPr/>
           <a:p>
-            <a:fld id="{1E713EDA-0587-4F34-9728-B6B5D5A8BB27}" type="datetime1">
+            <a:fld id="{B3E3C138-4F8F-4492-A4AE-508A2C7BFE55}" type="datetime1">
               <a:rPr lang="en-US"/>
               <a:t>08/07/2023</a:t>
             </a:fld>
@@ -6187,7 +6097,7 @@
         <p:spPr>
           <a:xfrm>
             <a:off x="0" y="0"/>
-            <a:ext cx="9133920" cy="754560"/>
+            <a:ext cx="9133560" cy="754200"/>
           </a:xfrm>
           <a:prstGeom prst="rect">
             <a:avLst/>
@@ -6247,7 +6157,7 @@
         <p:spPr>
           <a:xfrm>
             <a:off x="457200" y="1298520"/>
-            <a:ext cx="8343000" cy="5095800"/>
+            <a:ext cx="8342640" cy="5095440"/>
           </a:xfrm>
           <a:prstGeom prst="rect">
             <a:avLst/>
@@ -6470,7 +6380,7 @@
         <p:spPr>
           <a:xfrm>
             <a:off x="-8640" y="759600"/>
-            <a:ext cx="9133920" cy="349920"/>
+            <a:ext cx="9133560" cy="349560"/>
           </a:xfrm>
           <a:prstGeom prst="rect">
             <a:avLst/>
@@ -6498,7 +6408,7 @@
         </p:style>
         <p:txBody>
           <a:bodyPr lIns="90000" rIns="90000" tIns="45000" bIns="45000" anchor="ctr">
-            <a:normAutofit fontScale="95000"/>
+            <a:normAutofit fontScale="94000"/>
           </a:bodyPr>
           <a:p>
             <a:pPr>
@@ -6539,7 +6449,7 @@
         <p:spPr>
           <a:xfrm>
             <a:off x="6553080" y="6356520"/>
-            <a:ext cx="2123640" cy="354960"/>
+            <a:ext cx="2123280" cy="354600"/>
           </a:xfrm>
           <a:prstGeom prst="rect">
             <a:avLst/>
@@ -6575,7 +6485,7 @@
               </a:lnSpc>
               <a:buNone/>
             </a:pPr>
-            <a:fld id="{AAE14D82-207D-4BA6-9515-E82B7CBCFB8F}" type="slidenum">
+            <a:fld id="{4AEF8590-8646-4C27-B120-956FF59FBEBC}" type="slidenum">
               <a:rPr b="0" lang="en-US" sz="1200" spc="-1" strike="noStrike">
                 <a:solidFill>
                   <a:srgbClr val="8b8b8b"/>
@@ -6583,7 +6493,7 @@
                 <a:latin typeface="Calibri"/>
                 <a:ea typeface="DejaVu Sans"/>
               </a:rPr>
-              <a:t>2</a:t>
+              <a:t>&lt;number&gt;</a:t>
             </a:fld>
             <a:endParaRPr b="0" lang="en-US" sz="1200" spc="-1" strike="noStrike">
               <a:latin typeface="Times New Roman"/>
@@ -6605,7 +6515,7 @@
         <p:txBody>
           <a:bodyPr/>
           <a:p>
-            <a:fld id="{CD6D28C1-BC51-4538-9C74-FA749EF85786}" type="datetime1">
+            <a:fld id="{87FC8F79-30D4-422F-A03F-1AE566C3A574}" type="datetime1">
               <a:rPr lang="en-US"/>
               <a:t>08/07/2023</a:t>
             </a:fld>
@@ -6655,7 +6565,7 @@
         <p:spPr>
           <a:xfrm>
             <a:off x="0" y="0"/>
-            <a:ext cx="9133920" cy="754560"/>
+            <a:ext cx="9133560" cy="754200"/>
           </a:xfrm>
           <a:prstGeom prst="rect">
             <a:avLst/>
@@ -6715,7 +6625,7 @@
         <p:spPr>
           <a:xfrm>
             <a:off x="457200" y="1298520"/>
-            <a:ext cx="8343000" cy="293040"/>
+            <a:ext cx="8342640" cy="292680"/>
           </a:xfrm>
           <a:prstGeom prst="rect">
             <a:avLst/>
@@ -6770,7 +6680,7 @@
         <p:spPr>
           <a:xfrm>
             <a:off x="-8640" y="759600"/>
-            <a:ext cx="9133920" cy="349920"/>
+            <a:ext cx="9133560" cy="349560"/>
           </a:xfrm>
           <a:prstGeom prst="rect">
             <a:avLst/>
@@ -6798,7 +6708,7 @@
         </p:style>
         <p:txBody>
           <a:bodyPr lIns="90000" rIns="90000" tIns="45000" bIns="45000" anchor="ctr">
-            <a:normAutofit fontScale="95000"/>
+            <a:normAutofit fontScale="94000"/>
           </a:bodyPr>
           <a:p>
             <a:pPr>
@@ -6839,7 +6749,7 @@
         <p:spPr>
           <a:xfrm>
             <a:off x="6553080" y="6356520"/>
-            <a:ext cx="2123640" cy="354960"/>
+            <a:ext cx="2123280" cy="354600"/>
           </a:xfrm>
           <a:prstGeom prst="rect">
             <a:avLst/>
@@ -6875,7 +6785,7 @@
               </a:lnSpc>
               <a:buNone/>
             </a:pPr>
-            <a:fld id="{BC4ADA05-618E-4821-B0E4-0194DD83E11C}" type="slidenum">
+            <a:fld id="{46F9DAF2-365C-4ED6-BA89-AF94876A451F}" type="slidenum">
               <a:rPr b="0" lang="en-US" sz="1200" spc="-1" strike="noStrike">
                 <a:solidFill>
                   <a:srgbClr val="8b8b8b"/>
@@ -6883,7 +6793,7 @@
                 <a:latin typeface="Calibri"/>
                 <a:ea typeface="DejaVu Sans"/>
               </a:rPr>
-              <a:t>3</a:t>
+              <a:t>&lt;number&gt;</a:t>
             </a:fld>
             <a:endParaRPr b="0" lang="en-US" sz="1200" spc="-1" strike="noStrike">
               <a:latin typeface="Times New Roman"/>
@@ -8367,7 +8277,7 @@
         <p:txBody>
           <a:bodyPr/>
           <a:p>
-            <a:fld id="{0BC9DED3-8426-4C79-AD9C-A5E58D7AD42F}" type="datetime1">
+            <a:fld id="{E3CEFBE4-B387-4819-A34E-97516E37AC28}" type="datetime1">
               <a:rPr lang="en-US"/>
               <a:t>08/07/2023</a:t>
             </a:fld>
@@ -8417,7 +8327,7 @@
         <p:spPr>
           <a:xfrm>
             <a:off x="0" y="0"/>
-            <a:ext cx="9133920" cy="754560"/>
+            <a:ext cx="9133560" cy="754200"/>
           </a:xfrm>
           <a:prstGeom prst="rect">
             <a:avLst/>
@@ -8477,7 +8387,7 @@
         <p:spPr>
           <a:xfrm>
             <a:off x="457200" y="1298520"/>
-            <a:ext cx="8343000" cy="293040"/>
+            <a:ext cx="8342640" cy="292680"/>
           </a:xfrm>
           <a:prstGeom prst="rect">
             <a:avLst/>
@@ -8532,7 +8442,7 @@
         <p:spPr>
           <a:xfrm>
             <a:off x="-8640" y="759600"/>
-            <a:ext cx="9133920" cy="349920"/>
+            <a:ext cx="9133560" cy="349560"/>
           </a:xfrm>
           <a:prstGeom prst="rect">
             <a:avLst/>
@@ -8560,7 +8470,7 @@
         </p:style>
         <p:txBody>
           <a:bodyPr lIns="90000" rIns="90000" tIns="45000" bIns="45000" anchor="ctr">
-            <a:normAutofit fontScale="95000"/>
+            <a:normAutofit fontScale="94000"/>
           </a:bodyPr>
           <a:p>
             <a:pPr>
@@ -8601,7 +8511,7 @@
         <p:spPr>
           <a:xfrm>
             <a:off x="6553080" y="6356520"/>
-            <a:ext cx="2123640" cy="354960"/>
+            <a:ext cx="2123280" cy="354600"/>
           </a:xfrm>
           <a:prstGeom prst="rect">
             <a:avLst/>
@@ -8637,7 +8547,7 @@
               </a:lnSpc>
               <a:buNone/>
             </a:pPr>
-            <a:fld id="{72992A15-F581-4E7A-93EA-9544A28BE05C}" type="slidenum">
+            <a:fld id="{91229789-BDD0-4D1D-B77C-9DAE9AAB77E4}" type="slidenum">
               <a:rPr b="0" lang="en-US" sz="1200" spc="-1" strike="noStrike">
                 <a:solidFill>
                   <a:srgbClr val="8b8b8b"/>
@@ -8645,7 +8555,7 @@
                 <a:latin typeface="Calibri"/>
                 <a:ea typeface="DejaVu Sans"/>
               </a:rPr>
-              <a:t>4</a:t>
+              <a:t>&lt;number&gt;</a:t>
             </a:fld>
             <a:endParaRPr b="0" lang="en-US" sz="1200" spc="-1" strike="noStrike">
               <a:latin typeface="Times New Roman"/>
@@ -9942,7 +9852,7 @@
         <p:txBody>
           <a:bodyPr/>
           <a:p>
-            <a:fld id="{1B9F6FDB-99DD-4FA0-9105-9BE5FFC71250}" type="datetime1">
+            <a:fld id="{33FA20C5-757E-42EB-B569-590C7130689B}" type="datetime1">
               <a:rPr lang="en-US"/>
               <a:t>08/07/2023</a:t>
             </a:fld>
@@ -9992,7 +9902,7 @@
         <p:spPr>
           <a:xfrm>
             <a:off x="0" y="2130480"/>
-            <a:ext cx="9133920" cy="1459800"/>
+            <a:ext cx="9133560" cy="1459440"/>
           </a:xfrm>
           <a:prstGeom prst="rect">
             <a:avLst/>
@@ -10053,7 +9963,7 @@
         <p:txBody>
           <a:bodyPr/>
           <a:p>
-            <a:fld id="{A982C380-93A6-4A1F-A67B-42E3D3D6AB15}" type="slidenum">
+            <a:fld id="{587408B1-9BB7-4354-B3E6-3DF770BC4FCC}" type="slidenum">
               <a:t>5</a:t>
             </a:fld>
           </a:p>
@@ -10073,7 +9983,7 @@
         <p:txBody>
           <a:bodyPr/>
           <a:p>
-            <a:fld id="{CEEE433A-1F6F-45A8-ABBC-C9A0E22F2312}" type="datetime1">
+            <a:fld id="{8853AE88-49B4-402B-B743-A548086A80A8}" type="datetime1">
               <a:rPr lang="en-US"/>
               <a:t>08/07/2023</a:t>
             </a:fld>

--- a/00_Syllabus.pptx
+++ b/00_Syllabus.pptx
@@ -297,7 +297,7 @@
             <a:pPr algn="r">
               <a:buNone/>
             </a:pPr>
-            <a:fld id="{FB86430A-463F-4361-A537-DB16B829D0AA}" type="slidenum">
+            <a:fld id="{C27559E1-A3E7-4B65-8B1C-A9653BCA5D41}" type="slidenum">
               <a:rPr b="0" lang="en-US" sz="1400" spc="-1" strike="noStrike">
                 <a:latin typeface="Times New Roman"/>
               </a:rPr>
@@ -345,7 +345,7 @@
         <p:spPr>
           <a:xfrm>
             <a:off x="1143000" y="685800"/>
-            <a:ext cx="4561920" cy="3418920"/>
+            <a:ext cx="4561560" cy="3418560"/>
           </a:xfrm>
           <a:prstGeom prst="rect">
             <a:avLst/>
@@ -368,7 +368,7 @@
         <p:spPr>
           <a:xfrm>
             <a:off x="685800" y="4343400"/>
-            <a:ext cx="5475960" cy="4104360"/>
+            <a:ext cx="5475600" cy="4104000"/>
           </a:xfrm>
           <a:prstGeom prst="rect">
             <a:avLst/>
@@ -402,7 +402,7 @@
         <p:spPr>
           <a:xfrm>
             <a:off x="3884760" y="8685360"/>
-            <a:ext cx="2961360" cy="446760"/>
+            <a:ext cx="2961000" cy="446400"/>
           </a:xfrm>
           <a:prstGeom prst="rect">
             <a:avLst/>
@@ -438,7 +438,7 @@
               </a:lnSpc>
               <a:buNone/>
             </a:pPr>
-            <a:fld id="{2CA10233-C475-4170-BB22-10D676C24663}" type="slidenum">
+            <a:fld id="{F23C5906-E829-4A47-8CC0-DED320F73D33}" type="slidenum">
               <a:rPr b="0" lang="en-US" sz="1200" spc="-1" strike="noStrike">
                 <a:solidFill>
                   <a:srgbClr val="000000"/>
@@ -510,7 +510,7 @@
         <p:txBody>
           <a:bodyPr/>
           <a:p>
-            <a:fld id="{E0220B09-0FF9-4C12-826D-C65C98403470}" type="slidenum">
+            <a:fld id="{303767CD-5D20-4AC7-B094-49FB78CAF43B}" type="slidenum">
               <a:t>&lt;#&gt;</a:t>
             </a:fld>
           </a:p>
@@ -698,7 +698,7 @@
         <p:txBody>
           <a:bodyPr/>
           <a:p>
-            <a:fld id="{48502A0A-7B21-4C74-A284-2398D5CE1BD7}" type="slidenum">
+            <a:fld id="{27FFDB24-F368-486F-8EC8-2DBAECBB13F8}" type="slidenum">
               <a:t>&lt;#&gt;</a:t>
             </a:fld>
           </a:p>
@@ -954,7 +954,7 @@
         <p:txBody>
           <a:bodyPr/>
           <a:p>
-            <a:fld id="{19780C6B-9FD1-415E-8D59-B9334C10724D}" type="slidenum">
+            <a:fld id="{426E8CAB-22C0-440B-A503-68CF3AB7D242}" type="slidenum">
               <a:t>&lt;#&gt;</a:t>
             </a:fld>
           </a:p>
@@ -1278,7 +1278,7 @@
         <p:txBody>
           <a:bodyPr/>
           <a:p>
-            <a:fld id="{04DDA11B-22BF-41D5-8BDE-3E338D287C4B}" type="slidenum">
+            <a:fld id="{A7CB41A3-E7B0-48F8-8247-2388A213F778}" type="slidenum">
               <a:t>&lt;#&gt;</a:t>
             </a:fld>
           </a:p>
@@ -1361,7 +1361,7 @@
         <p:txBody>
           <a:bodyPr/>
           <a:p>
-            <a:fld id="{4458FB21-0CD7-446A-8ECF-661906F15368}" type="slidenum">
+            <a:fld id="{008BD503-1111-40B3-8C6E-878B3E662C33}" type="slidenum">
               <a:t>&lt;#&gt;</a:t>
             </a:fld>
           </a:p>
@@ -1518,7 +1518,7 @@
         <p:txBody>
           <a:bodyPr/>
           <a:p>
-            <a:fld id="{92361C77-7B71-4472-AA12-4A9C82BF4896}" type="slidenum">
+            <a:fld id="{6FEBD62C-3C4D-4E3B-ACD5-2E407F27304C}" type="slidenum">
               <a:t>&lt;#&gt;</a:t>
             </a:fld>
           </a:p>
@@ -1672,7 +1672,7 @@
         <p:txBody>
           <a:bodyPr/>
           <a:p>
-            <a:fld id="{716A67C2-16CB-43F7-824A-B497BFBDB298}" type="slidenum">
+            <a:fld id="{261791C4-A8A3-4AA7-8425-B82FF6F8F460}" type="slidenum">
               <a:t>&lt;#&gt;</a:t>
             </a:fld>
           </a:p>
@@ -1860,7 +1860,7 @@
         <p:txBody>
           <a:bodyPr/>
           <a:p>
-            <a:fld id="{5C26DE8A-9B85-461E-83DA-F2E4FD646978}" type="slidenum">
+            <a:fld id="{AB48A55C-B547-4E36-9163-1E85BCCD47BA}" type="slidenum">
               <a:t>&lt;#&gt;</a:t>
             </a:fld>
           </a:p>
@@ -1980,7 +1980,7 @@
         <p:txBody>
           <a:bodyPr/>
           <a:p>
-            <a:fld id="{74369C76-09F6-41F6-96B8-F8CC582D35DC}" type="slidenum">
+            <a:fld id="{7006D64C-C76E-41F2-B6E4-A21079C673C9}" type="slidenum">
               <a:t>&lt;#&gt;</a:t>
             </a:fld>
           </a:p>
@@ -2100,7 +2100,7 @@
         <p:txBody>
           <a:bodyPr/>
           <a:p>
-            <a:fld id="{2D580C60-BF83-4AD1-9B29-463D24103342}" type="slidenum">
+            <a:fld id="{4EBB6A30-557D-41B9-AC33-427A8AF353D9}" type="slidenum">
               <a:t>&lt;#&gt;</a:t>
             </a:fld>
           </a:p>
@@ -2322,7 +2322,7 @@
         <p:txBody>
           <a:bodyPr/>
           <a:p>
-            <a:fld id="{42441399-8366-476B-9026-39CDEA8517C0}" type="slidenum">
+            <a:fld id="{9B1269BA-0C89-47D9-A677-E7EADCF36BA2}" type="slidenum">
               <a:t>&lt;#&gt;</a:t>
             </a:fld>
           </a:p>
@@ -2479,7 +2479,7 @@
         <p:txBody>
           <a:bodyPr/>
           <a:p>
-            <a:fld id="{96F2A00A-9D16-4D4F-AD51-2651F4EF580A}" type="slidenum">
+            <a:fld id="{3E8C7C61-97D7-411B-BBF0-9C6DC0986EED}" type="slidenum">
               <a:t>&lt;#&gt;</a:t>
             </a:fld>
           </a:p>
@@ -2701,7 +2701,7 @@
         <p:txBody>
           <a:bodyPr/>
           <a:p>
-            <a:fld id="{78BF5DD6-212D-409C-AFDF-1937FCA6AF75}" type="slidenum">
+            <a:fld id="{1C549BBD-B179-4675-BB4D-E46FE3487518}" type="slidenum">
               <a:t>&lt;#&gt;</a:t>
             </a:fld>
           </a:p>
@@ -2923,7 +2923,7 @@
         <p:txBody>
           <a:bodyPr/>
           <a:p>
-            <a:fld id="{E2146B0D-162A-4F5A-9416-65B75F0EBB72}" type="slidenum">
+            <a:fld id="{E87A7D06-0A23-4F9F-80A5-0DF5A874F656}" type="slidenum">
               <a:t>&lt;#&gt;</a:t>
             </a:fld>
           </a:p>
@@ -3111,7 +3111,7 @@
         <p:txBody>
           <a:bodyPr/>
           <a:p>
-            <a:fld id="{55111265-1228-4E6B-AF63-B4CF142DE1A8}" type="slidenum">
+            <a:fld id="{F4328555-194F-43A9-8BF7-746C438FAEC6}" type="slidenum">
               <a:t>&lt;#&gt;</a:t>
             </a:fld>
           </a:p>
@@ -3367,7 +3367,7 @@
         <p:txBody>
           <a:bodyPr/>
           <a:p>
-            <a:fld id="{7846AD69-75EC-46C8-8155-A160F9339445}" type="slidenum">
+            <a:fld id="{E344FDA2-8085-4895-A059-1B479341FD82}" type="slidenum">
               <a:t>&lt;#&gt;</a:t>
             </a:fld>
           </a:p>
@@ -3691,7 +3691,7 @@
         <p:txBody>
           <a:bodyPr/>
           <a:p>
-            <a:fld id="{1A3CF9C7-08E8-4C2A-AEFA-8E93E66D87EA}" type="slidenum">
+            <a:fld id="{79CE8BED-473D-4CCB-A58E-EF5E1AF89763}" type="slidenum">
               <a:t>&lt;#&gt;</a:t>
             </a:fld>
           </a:p>
@@ -3845,7 +3845,7 @@
         <p:txBody>
           <a:bodyPr/>
           <a:p>
-            <a:fld id="{48A236CB-1D36-43C7-A27B-BE800A03B49F}" type="slidenum">
+            <a:fld id="{9166C669-8704-4B01-9CEC-55FB89D149C3}" type="slidenum">
               <a:t>&lt;#&gt;</a:t>
             </a:fld>
           </a:p>
@@ -4033,7 +4033,7 @@
         <p:txBody>
           <a:bodyPr/>
           <a:p>
-            <a:fld id="{9EA792FA-F378-4D8C-BC89-38BD72A68C1C}" type="slidenum">
+            <a:fld id="{0F559AAE-D7B1-4B95-82B3-38B226026907}" type="slidenum">
               <a:t>&lt;#&gt;</a:t>
             </a:fld>
           </a:p>
@@ -4153,7 +4153,7 @@
         <p:txBody>
           <a:bodyPr/>
           <a:p>
-            <a:fld id="{4DDED54D-A339-4BD9-B842-2FD012765437}" type="slidenum">
+            <a:fld id="{15070BD0-DDC2-47DE-B07D-59B96CC9C927}" type="slidenum">
               <a:t>&lt;#&gt;</a:t>
             </a:fld>
           </a:p>
@@ -4273,7 +4273,7 @@
         <p:txBody>
           <a:bodyPr/>
           <a:p>
-            <a:fld id="{6D8A38BE-3DB5-4BC0-863F-22702349B1B9}" type="slidenum">
+            <a:fld id="{F1BAB6DD-2D95-4FAB-9ECB-6FDAC2191172}" type="slidenum">
               <a:t>&lt;#&gt;</a:t>
             </a:fld>
           </a:p>
@@ -4495,7 +4495,7 @@
         <p:txBody>
           <a:bodyPr/>
           <a:p>
-            <a:fld id="{D2BD12A0-0083-41CC-8D01-99628F7A8A08}" type="slidenum">
+            <a:fld id="{8D435F6C-7578-4FA7-BD7C-96E23CCF3799}" type="slidenum">
               <a:t>&lt;#&gt;</a:t>
             </a:fld>
           </a:p>
@@ -4717,7 +4717,7 @@
         <p:txBody>
           <a:bodyPr/>
           <a:p>
-            <a:fld id="{49AE109C-FD6E-4932-A28C-4A9265FCA855}" type="slidenum">
+            <a:fld id="{48B8B166-D882-4540-9022-4477B9100C4A}" type="slidenum">
               <a:t>&lt;#&gt;</a:t>
             </a:fld>
           </a:p>
@@ -4939,7 +4939,7 @@
         <p:txBody>
           <a:bodyPr/>
           <a:p>
-            <a:fld id="{0C2D9C86-CD86-44F8-AB1E-65F6E60EDA80}" type="slidenum">
+            <a:fld id="{BE55D4F2-5678-49B7-A4B1-216E4D399645}" type="slidenum">
               <a:t>&lt;#&gt;</a:t>
             </a:fld>
           </a:p>
@@ -5008,7 +5008,7 @@
         <p:spPr>
           <a:xfrm>
             <a:off x="3124080" y="6356520"/>
-            <a:ext cx="2885040" cy="354600"/>
+            <a:ext cx="2884680" cy="354240"/>
           </a:xfrm>
           <a:prstGeom prst="rect">
             <a:avLst/>
@@ -5073,7 +5073,7 @@
         <p:spPr>
           <a:xfrm>
             <a:off x="6553080" y="6356520"/>
-            <a:ext cx="2123280" cy="354600"/>
+            <a:ext cx="2122920" cy="354240"/>
           </a:xfrm>
           <a:prstGeom prst="rect">
             <a:avLst/>
@@ -5109,7 +5109,7 @@
               </a:lnSpc>
               <a:buNone/>
             </a:pPr>
-            <a:fld id="{708C0EF2-31AD-450C-B4BE-34F982A87C2D}" type="slidenum">
+            <a:fld id="{9536BC1D-F74E-47C4-9F66-A48A5B48849C}" type="slidenum">
               <a:rPr b="0" lang="en-US" sz="1200" spc="-1" strike="noStrike">
                 <a:solidFill>
                   <a:srgbClr val="8b8b8b"/>
@@ -5138,7 +5138,7 @@
         <p:spPr>
           <a:xfrm>
             <a:off x="457200" y="6356520"/>
-            <a:ext cx="2123280" cy="354600"/>
+            <a:ext cx="2122920" cy="354240"/>
           </a:xfrm>
           <a:prstGeom prst="rect">
             <a:avLst/>
@@ -5455,7 +5455,7 @@
         <p:spPr>
           <a:xfrm>
             <a:off x="3124080" y="6356520"/>
-            <a:ext cx="2885040" cy="354600"/>
+            <a:ext cx="2884680" cy="354240"/>
           </a:xfrm>
           <a:prstGeom prst="rect">
             <a:avLst/>
@@ -5520,7 +5520,7 @@
         <p:spPr>
           <a:xfrm>
             <a:off x="6553080" y="6356520"/>
-            <a:ext cx="2123280" cy="354600"/>
+            <a:ext cx="2122920" cy="354240"/>
           </a:xfrm>
           <a:prstGeom prst="rect">
             <a:avLst/>
@@ -5556,7 +5556,7 @@
               </a:lnSpc>
               <a:buNone/>
             </a:pPr>
-            <a:fld id="{80018E5B-03EA-4306-A10A-6DCA25CB429E}" type="slidenum">
+            <a:fld id="{D0EC009F-58EA-4FC7-87E6-7BE67A1ABD94}" type="slidenum">
               <a:rPr b="0" lang="en-US" sz="1200" spc="-1" strike="noStrike">
                 <a:solidFill>
                   <a:srgbClr val="8b8b8b"/>
@@ -5585,7 +5585,7 @@
         <p:spPr>
           <a:xfrm>
             <a:off x="457200" y="6356520"/>
-            <a:ext cx="2123280" cy="354600"/>
+            <a:ext cx="2122920" cy="354240"/>
           </a:xfrm>
           <a:prstGeom prst="rect">
             <a:avLst/>
@@ -5895,7 +5895,7 @@
         <p:spPr>
           <a:xfrm>
             <a:off x="0" y="2130480"/>
-            <a:ext cx="9133560" cy="1459440"/>
+            <a:ext cx="9133200" cy="1459080"/>
           </a:xfrm>
           <a:prstGeom prst="rect">
             <a:avLst/>
@@ -5947,7 +5947,7 @@
         <p:spPr>
           <a:xfrm>
             <a:off x="1371600" y="4563360"/>
-            <a:ext cx="6390360" cy="684360"/>
+            <a:ext cx="6390000" cy="684000"/>
           </a:xfrm>
           <a:prstGeom prst="rect">
             <a:avLst/>
@@ -6003,7 +6003,7 @@
         <p:spPr>
           <a:xfrm>
             <a:off x="4212000" y="3645000"/>
-            <a:ext cx="931320" cy="902520"/>
+            <a:ext cx="930960" cy="902160"/>
           </a:xfrm>
           <a:prstGeom prst="rect">
             <a:avLst/>
@@ -6027,7 +6027,7 @@
         <p:txBody>
           <a:bodyPr/>
           <a:p>
-            <a:fld id="{12572746-A491-4B08-BD3D-531AD90E8E90}" type="slidenum">
+            <a:fld id="{E999EEA7-1C08-47E1-B38F-BCBB08D8371A}" type="slidenum">
               <a:t>1</a:t>
             </a:fld>
           </a:p>
@@ -6047,7 +6047,7 @@
         <p:txBody>
           <a:bodyPr/>
           <a:p>
-            <a:fld id="{B3E3C138-4F8F-4492-A4AE-508A2C7BFE55}" type="datetime1">
+            <a:fld id="{128F43DC-CDFF-484F-B27F-DB785811ED10}" type="datetime1">
               <a:rPr lang="en-US"/>
               <a:t>08/07/2023</a:t>
             </a:fld>
@@ -6097,7 +6097,7 @@
         <p:spPr>
           <a:xfrm>
             <a:off x="0" y="0"/>
-            <a:ext cx="9133560" cy="754200"/>
+            <a:ext cx="9133200" cy="753840"/>
           </a:xfrm>
           <a:prstGeom prst="rect">
             <a:avLst/>
@@ -6157,7 +6157,7 @@
         <p:spPr>
           <a:xfrm>
             <a:off x="457200" y="1298520"/>
-            <a:ext cx="8342640" cy="5095440"/>
+            <a:ext cx="8342280" cy="5095080"/>
           </a:xfrm>
           <a:prstGeom prst="rect">
             <a:avLst/>
@@ -6380,7 +6380,7 @@
         <p:spPr>
           <a:xfrm>
             <a:off x="-8640" y="759600"/>
-            <a:ext cx="9133560" cy="349560"/>
+            <a:ext cx="9133200" cy="349200"/>
           </a:xfrm>
           <a:prstGeom prst="rect">
             <a:avLst/>
@@ -6449,7 +6449,7 @@
         <p:spPr>
           <a:xfrm>
             <a:off x="6553080" y="6356520"/>
-            <a:ext cx="2123280" cy="354600"/>
+            <a:ext cx="2122920" cy="354240"/>
           </a:xfrm>
           <a:prstGeom prst="rect">
             <a:avLst/>
@@ -6485,7 +6485,7 @@
               </a:lnSpc>
               <a:buNone/>
             </a:pPr>
-            <a:fld id="{4AEF8590-8646-4C27-B120-956FF59FBEBC}" type="slidenum">
+            <a:fld id="{43063E89-028C-495F-9628-38426E646668}" type="slidenum">
               <a:rPr b="0" lang="en-US" sz="1200" spc="-1" strike="noStrike">
                 <a:solidFill>
                   <a:srgbClr val="8b8b8b"/>
@@ -6493,7 +6493,7 @@
                 <a:latin typeface="Calibri"/>
                 <a:ea typeface="DejaVu Sans"/>
               </a:rPr>
-              <a:t>&lt;number&gt;</a:t>
+              <a:t>2</a:t>
             </a:fld>
             <a:endParaRPr b="0" lang="en-US" sz="1200" spc="-1" strike="noStrike">
               <a:latin typeface="Times New Roman"/>
@@ -6515,7 +6515,7 @@
         <p:txBody>
           <a:bodyPr/>
           <a:p>
-            <a:fld id="{87FC8F79-30D4-422F-A03F-1AE566C3A574}" type="datetime1">
+            <a:fld id="{30909D81-9E93-4C39-BD09-C5BA04154421}" type="datetime1">
               <a:rPr lang="en-US"/>
               <a:t>08/07/2023</a:t>
             </a:fld>
@@ -6565,7 +6565,7 @@
         <p:spPr>
           <a:xfrm>
             <a:off x="0" y="0"/>
-            <a:ext cx="9133560" cy="754200"/>
+            <a:ext cx="9133200" cy="753840"/>
           </a:xfrm>
           <a:prstGeom prst="rect">
             <a:avLst/>
@@ -6625,7 +6625,7 @@
         <p:spPr>
           <a:xfrm>
             <a:off x="457200" y="1298520"/>
-            <a:ext cx="8342640" cy="292680"/>
+            <a:ext cx="8342280" cy="292320"/>
           </a:xfrm>
           <a:prstGeom prst="rect">
             <a:avLst/>
@@ -6680,7 +6680,7 @@
         <p:spPr>
           <a:xfrm>
             <a:off x="-8640" y="759600"/>
-            <a:ext cx="9133560" cy="349560"/>
+            <a:ext cx="9133200" cy="349200"/>
           </a:xfrm>
           <a:prstGeom prst="rect">
             <a:avLst/>
@@ -6749,7 +6749,7 @@
         <p:spPr>
           <a:xfrm>
             <a:off x="6553080" y="6356520"/>
-            <a:ext cx="2123280" cy="354600"/>
+            <a:ext cx="2122920" cy="354240"/>
           </a:xfrm>
           <a:prstGeom prst="rect">
             <a:avLst/>
@@ -6785,7 +6785,7 @@
               </a:lnSpc>
               <a:buNone/>
             </a:pPr>
-            <a:fld id="{46F9DAF2-365C-4ED6-BA89-AF94876A451F}" type="slidenum">
+            <a:fld id="{B5BA15E4-C1D0-404B-8ECB-F3336896F53E}" type="slidenum">
               <a:rPr b="0" lang="en-US" sz="1200" spc="-1" strike="noStrike">
                 <a:solidFill>
                   <a:srgbClr val="8b8b8b"/>
@@ -6793,7 +6793,7 @@
                 <a:latin typeface="Calibri"/>
                 <a:ea typeface="DejaVu Sans"/>
               </a:rPr>
-              <a:t>&lt;number&gt;</a:t>
+              <a:t>3</a:t>
             </a:fld>
             <a:endParaRPr b="0" lang="en-US" sz="1200" spc="-1" strike="noStrike">
               <a:latin typeface="Times New Roman"/>
@@ -8277,7 +8277,7 @@
         <p:txBody>
           <a:bodyPr/>
           <a:p>
-            <a:fld id="{E3CEFBE4-B387-4819-A34E-97516E37AC28}" type="datetime1">
+            <a:fld id="{DF0A6264-8FB8-4858-A978-0AC8FEE87781}" type="datetime1">
               <a:rPr lang="en-US"/>
               <a:t>08/07/2023</a:t>
             </a:fld>
@@ -8327,7 +8327,7 @@
         <p:spPr>
           <a:xfrm>
             <a:off x="0" y="0"/>
-            <a:ext cx="9133560" cy="754200"/>
+            <a:ext cx="9133200" cy="753840"/>
           </a:xfrm>
           <a:prstGeom prst="rect">
             <a:avLst/>
@@ -8387,7 +8387,7 @@
         <p:spPr>
           <a:xfrm>
             <a:off x="457200" y="1298520"/>
-            <a:ext cx="8342640" cy="292680"/>
+            <a:ext cx="8342280" cy="292320"/>
           </a:xfrm>
           <a:prstGeom prst="rect">
             <a:avLst/>
@@ -8442,7 +8442,7 @@
         <p:spPr>
           <a:xfrm>
             <a:off x="-8640" y="759600"/>
-            <a:ext cx="9133560" cy="349560"/>
+            <a:ext cx="9133200" cy="349200"/>
           </a:xfrm>
           <a:prstGeom prst="rect">
             <a:avLst/>
@@ -8511,7 +8511,7 @@
         <p:spPr>
           <a:xfrm>
             <a:off x="6553080" y="6356520"/>
-            <a:ext cx="2123280" cy="354600"/>
+            <a:ext cx="2122920" cy="354240"/>
           </a:xfrm>
           <a:prstGeom prst="rect">
             <a:avLst/>
@@ -8547,7 +8547,7 @@
               </a:lnSpc>
               <a:buNone/>
             </a:pPr>
-            <a:fld id="{91229789-BDD0-4D1D-B77C-9DAE9AAB77E4}" type="slidenum">
+            <a:fld id="{94F0743F-4A77-441B-B1B3-8A752BB58BCA}" type="slidenum">
               <a:rPr b="0" lang="en-US" sz="1200" spc="-1" strike="noStrike">
                 <a:solidFill>
                   <a:srgbClr val="8b8b8b"/>
@@ -8555,7 +8555,7 @@
                 <a:latin typeface="Calibri"/>
                 <a:ea typeface="DejaVu Sans"/>
               </a:rPr>
-              <a:t>&lt;number&gt;</a:t>
+              <a:t>4</a:t>
             </a:fld>
             <a:endParaRPr b="0" lang="en-US" sz="1200" spc="-1" strike="noStrike">
               <a:latin typeface="Times New Roman"/>
@@ -9852,7 +9852,7 @@
         <p:txBody>
           <a:bodyPr/>
           <a:p>
-            <a:fld id="{33FA20C5-757E-42EB-B569-590C7130689B}" type="datetime1">
+            <a:fld id="{C18FF22A-0247-484A-A9DC-D25C0362224F}" type="datetime1">
               <a:rPr lang="en-US"/>
               <a:t>08/07/2023</a:t>
             </a:fld>
@@ -9902,7 +9902,7 @@
         <p:spPr>
           <a:xfrm>
             <a:off x="0" y="2130480"/>
-            <a:ext cx="9133560" cy="1459440"/>
+            <a:ext cx="9133200" cy="1459080"/>
           </a:xfrm>
           <a:prstGeom prst="rect">
             <a:avLst/>
@@ -9963,7 +9963,7 @@
         <p:txBody>
           <a:bodyPr/>
           <a:p>
-            <a:fld id="{587408B1-9BB7-4354-B3E6-3DF770BC4FCC}" type="slidenum">
+            <a:fld id="{B5E9E1A5-9E7B-48B9-85E2-9308018B6BF9}" type="slidenum">
               <a:t>5</a:t>
             </a:fld>
           </a:p>
@@ -9983,7 +9983,7 @@
         <p:txBody>
           <a:bodyPr/>
           <a:p>
-            <a:fld id="{8853AE88-49B4-402B-B743-A548086A80A8}" type="datetime1">
+            <a:fld id="{56B25AC2-3632-46E5-89C7-B6CF3D0BD09B}" type="datetime1">
               <a:rPr lang="en-US"/>
               <a:t>08/07/2023</a:t>
             </a:fld>

--- a/00_Syllabus.pptx
+++ b/00_Syllabus.pptx
@@ -297,7 +297,7 @@
             <a:pPr algn="r">
               <a:buNone/>
             </a:pPr>
-            <a:fld id="{C27559E1-A3E7-4B65-8B1C-A9653BCA5D41}" type="slidenum">
+            <a:fld id="{4E2EAA34-C216-4B93-9296-35A5803E3469}" type="slidenum">
               <a:rPr b="0" lang="en-US" sz="1400" spc="-1" strike="noStrike">
                 <a:latin typeface="Times New Roman"/>
               </a:rPr>
@@ -345,7 +345,7 @@
         <p:spPr>
           <a:xfrm>
             <a:off x="1143000" y="685800"/>
-            <a:ext cx="4561560" cy="3418560"/>
+            <a:ext cx="4555080" cy="3412080"/>
           </a:xfrm>
           <a:prstGeom prst="rect">
             <a:avLst/>
@@ -368,7 +368,7 @@
         <p:spPr>
           <a:xfrm>
             <a:off x="685800" y="4343400"/>
-            <a:ext cx="5475600" cy="4104000"/>
+            <a:ext cx="5469120" cy="4097520"/>
           </a:xfrm>
           <a:prstGeom prst="rect">
             <a:avLst/>
@@ -402,7 +402,7 @@
         <p:spPr>
           <a:xfrm>
             <a:off x="3884760" y="8685360"/>
-            <a:ext cx="2961000" cy="446400"/>
+            <a:ext cx="2954520" cy="439920"/>
           </a:xfrm>
           <a:prstGeom prst="rect">
             <a:avLst/>
@@ -438,7 +438,7 @@
               </a:lnSpc>
               <a:buNone/>
             </a:pPr>
-            <a:fld id="{F23C5906-E829-4A47-8CC0-DED320F73D33}" type="slidenum">
+            <a:fld id="{ED509364-E51E-4CDB-AD5D-A3241FF5B740}" type="slidenum">
               <a:rPr b="0" lang="en-US" sz="1200" spc="-1" strike="noStrike">
                 <a:solidFill>
                   <a:srgbClr val="000000"/>
@@ -510,7 +510,7 @@
         <p:txBody>
           <a:bodyPr/>
           <a:p>
-            <a:fld id="{303767CD-5D20-4AC7-B094-49FB78CAF43B}" type="slidenum">
+            <a:fld id="{8FBC2F47-151B-475E-BE53-33073869B9FF}" type="slidenum">
               <a:t>&lt;#&gt;</a:t>
             </a:fld>
           </a:p>
@@ -698,7 +698,7 @@
         <p:txBody>
           <a:bodyPr/>
           <a:p>
-            <a:fld id="{27FFDB24-F368-486F-8EC8-2DBAECBB13F8}" type="slidenum">
+            <a:fld id="{42AD5D22-E042-4695-86C6-D7FC8FB0C34D}" type="slidenum">
               <a:t>&lt;#&gt;</a:t>
             </a:fld>
           </a:p>
@@ -954,7 +954,7 @@
         <p:txBody>
           <a:bodyPr/>
           <a:p>
-            <a:fld id="{426E8CAB-22C0-440B-A503-68CF3AB7D242}" type="slidenum">
+            <a:fld id="{3B367DA7-ED30-4B70-B7D6-AF52C94120D6}" type="slidenum">
               <a:t>&lt;#&gt;</a:t>
             </a:fld>
           </a:p>
@@ -1278,7 +1278,7 @@
         <p:txBody>
           <a:bodyPr/>
           <a:p>
-            <a:fld id="{A7CB41A3-E7B0-48F8-8247-2388A213F778}" type="slidenum">
+            <a:fld id="{1A509224-3270-49A8-B760-5EFA95D578D2}" type="slidenum">
               <a:t>&lt;#&gt;</a:t>
             </a:fld>
           </a:p>
@@ -1361,7 +1361,7 @@
         <p:txBody>
           <a:bodyPr/>
           <a:p>
-            <a:fld id="{008BD503-1111-40B3-8C6E-878B3E662C33}" type="slidenum">
+            <a:fld id="{2A539B13-416C-4A35-B4A9-77ECA71BBE36}" type="slidenum">
               <a:t>&lt;#&gt;</a:t>
             </a:fld>
           </a:p>
@@ -1518,7 +1518,7 @@
         <p:txBody>
           <a:bodyPr/>
           <a:p>
-            <a:fld id="{6FEBD62C-3C4D-4E3B-ACD5-2E407F27304C}" type="slidenum">
+            <a:fld id="{4D246A5E-57C9-4E2D-8247-494174FA4EAD}" type="slidenum">
               <a:t>&lt;#&gt;</a:t>
             </a:fld>
           </a:p>
@@ -1672,7 +1672,7 @@
         <p:txBody>
           <a:bodyPr/>
           <a:p>
-            <a:fld id="{261791C4-A8A3-4AA7-8425-B82FF6F8F460}" type="slidenum">
+            <a:fld id="{7B5D03F2-E6D1-4EDB-8CA0-451E0E3774A5}" type="slidenum">
               <a:t>&lt;#&gt;</a:t>
             </a:fld>
           </a:p>
@@ -1860,7 +1860,7 @@
         <p:txBody>
           <a:bodyPr/>
           <a:p>
-            <a:fld id="{AB48A55C-B547-4E36-9163-1E85BCCD47BA}" type="slidenum">
+            <a:fld id="{AA0FD927-1335-4F98-A920-C2A43FA15F06}" type="slidenum">
               <a:t>&lt;#&gt;</a:t>
             </a:fld>
           </a:p>
@@ -1980,7 +1980,7 @@
         <p:txBody>
           <a:bodyPr/>
           <a:p>
-            <a:fld id="{7006D64C-C76E-41F2-B6E4-A21079C673C9}" type="slidenum">
+            <a:fld id="{E056E857-FBD4-4500-A509-2F48247BC990}" type="slidenum">
               <a:t>&lt;#&gt;</a:t>
             </a:fld>
           </a:p>
@@ -2100,7 +2100,7 @@
         <p:txBody>
           <a:bodyPr/>
           <a:p>
-            <a:fld id="{4EBB6A30-557D-41B9-AC33-427A8AF353D9}" type="slidenum">
+            <a:fld id="{6D039F91-C36D-491B-9140-701A6582B7AC}" type="slidenum">
               <a:t>&lt;#&gt;</a:t>
             </a:fld>
           </a:p>
@@ -2322,7 +2322,7 @@
         <p:txBody>
           <a:bodyPr/>
           <a:p>
-            <a:fld id="{9B1269BA-0C89-47D9-A677-E7EADCF36BA2}" type="slidenum">
+            <a:fld id="{D447EA68-08D3-4FE1-A1F7-4D4E35DA7247}" type="slidenum">
               <a:t>&lt;#&gt;</a:t>
             </a:fld>
           </a:p>
@@ -2479,7 +2479,7 @@
         <p:txBody>
           <a:bodyPr/>
           <a:p>
-            <a:fld id="{3E8C7C61-97D7-411B-BBF0-9C6DC0986EED}" type="slidenum">
+            <a:fld id="{BA4E624C-DF0F-42D6-8A6A-19CD942C4BB4}" type="slidenum">
               <a:t>&lt;#&gt;</a:t>
             </a:fld>
           </a:p>
@@ -2701,7 +2701,7 @@
         <p:txBody>
           <a:bodyPr/>
           <a:p>
-            <a:fld id="{1C549BBD-B179-4675-BB4D-E46FE3487518}" type="slidenum">
+            <a:fld id="{B92E229F-D01B-4E09-9B7C-207BF79E1BE4}" type="slidenum">
               <a:t>&lt;#&gt;</a:t>
             </a:fld>
           </a:p>
@@ -2923,7 +2923,7 @@
         <p:txBody>
           <a:bodyPr/>
           <a:p>
-            <a:fld id="{E87A7D06-0A23-4F9F-80A5-0DF5A874F656}" type="slidenum">
+            <a:fld id="{4FAE8F46-2EC8-46B9-BFE3-95F5A29ED662}" type="slidenum">
               <a:t>&lt;#&gt;</a:t>
             </a:fld>
           </a:p>
@@ -3111,7 +3111,7 @@
         <p:txBody>
           <a:bodyPr/>
           <a:p>
-            <a:fld id="{F4328555-194F-43A9-8BF7-746C438FAEC6}" type="slidenum">
+            <a:fld id="{FC297118-B2E9-4EB3-AC73-6FF61C796D57}" type="slidenum">
               <a:t>&lt;#&gt;</a:t>
             </a:fld>
           </a:p>
@@ -3367,7 +3367,7 @@
         <p:txBody>
           <a:bodyPr/>
           <a:p>
-            <a:fld id="{E344FDA2-8085-4895-A059-1B479341FD82}" type="slidenum">
+            <a:fld id="{0DDCEC10-F350-4C12-8E68-15751E025F44}" type="slidenum">
               <a:t>&lt;#&gt;</a:t>
             </a:fld>
           </a:p>
@@ -3691,7 +3691,7 @@
         <p:txBody>
           <a:bodyPr/>
           <a:p>
-            <a:fld id="{79CE8BED-473D-4CCB-A58E-EF5E1AF89763}" type="slidenum">
+            <a:fld id="{B17C6950-0974-4EA8-B277-35F2BE7B8BB7}" type="slidenum">
               <a:t>&lt;#&gt;</a:t>
             </a:fld>
           </a:p>
@@ -3845,7 +3845,7 @@
         <p:txBody>
           <a:bodyPr/>
           <a:p>
-            <a:fld id="{9166C669-8704-4B01-9CEC-55FB89D149C3}" type="slidenum">
+            <a:fld id="{D1E466F5-36A7-4E98-8DB2-47EF066C46CB}" type="slidenum">
               <a:t>&lt;#&gt;</a:t>
             </a:fld>
           </a:p>
@@ -4033,7 +4033,7 @@
         <p:txBody>
           <a:bodyPr/>
           <a:p>
-            <a:fld id="{0F559AAE-D7B1-4B95-82B3-38B226026907}" type="slidenum">
+            <a:fld id="{7F626C52-4571-4F4D-8206-2FE65FCEA5F3}" type="slidenum">
               <a:t>&lt;#&gt;</a:t>
             </a:fld>
           </a:p>
@@ -4153,7 +4153,7 @@
         <p:txBody>
           <a:bodyPr/>
           <a:p>
-            <a:fld id="{15070BD0-DDC2-47DE-B07D-59B96CC9C927}" type="slidenum">
+            <a:fld id="{74470303-A47D-4955-ACB0-4E756108D0DE}" type="slidenum">
               <a:t>&lt;#&gt;</a:t>
             </a:fld>
           </a:p>
@@ -4273,7 +4273,7 @@
         <p:txBody>
           <a:bodyPr/>
           <a:p>
-            <a:fld id="{F1BAB6DD-2D95-4FAB-9ECB-6FDAC2191172}" type="slidenum">
+            <a:fld id="{380513B0-9BCE-42E6-909B-B9B0DCEAA356}" type="slidenum">
               <a:t>&lt;#&gt;</a:t>
             </a:fld>
           </a:p>
@@ -4495,7 +4495,7 @@
         <p:txBody>
           <a:bodyPr/>
           <a:p>
-            <a:fld id="{8D435F6C-7578-4FA7-BD7C-96E23CCF3799}" type="slidenum">
+            <a:fld id="{2F561223-0C28-4198-B32C-2F34A9611071}" type="slidenum">
               <a:t>&lt;#&gt;</a:t>
             </a:fld>
           </a:p>
@@ -4717,7 +4717,7 @@
         <p:txBody>
           <a:bodyPr/>
           <a:p>
-            <a:fld id="{48B8B166-D882-4540-9022-4477B9100C4A}" type="slidenum">
+            <a:fld id="{7B96D53C-3C91-48D7-B5F6-7E163DCF4AB1}" type="slidenum">
               <a:t>&lt;#&gt;</a:t>
             </a:fld>
           </a:p>
@@ -4939,7 +4939,7 @@
         <p:txBody>
           <a:bodyPr/>
           <a:p>
-            <a:fld id="{BE55D4F2-5678-49B7-A4B1-216E4D399645}" type="slidenum">
+            <a:fld id="{F3F15CD4-3619-4CFC-AB8F-ED1A039D2A36}" type="slidenum">
               <a:t>&lt;#&gt;</a:t>
             </a:fld>
           </a:p>
@@ -5008,7 +5008,7 @@
         <p:spPr>
           <a:xfrm>
             <a:off x="3124080" y="6356520"/>
-            <a:ext cx="2884680" cy="354240"/>
+            <a:ext cx="2878200" cy="347760"/>
           </a:xfrm>
           <a:prstGeom prst="rect">
             <a:avLst/>
@@ -5073,7 +5073,7 @@
         <p:spPr>
           <a:xfrm>
             <a:off x="6553080" y="6356520"/>
-            <a:ext cx="2122920" cy="354240"/>
+            <a:ext cx="2116440" cy="347760"/>
           </a:xfrm>
           <a:prstGeom prst="rect">
             <a:avLst/>
@@ -5109,7 +5109,7 @@
               </a:lnSpc>
               <a:buNone/>
             </a:pPr>
-            <a:fld id="{9536BC1D-F74E-47C4-9F66-A48A5B48849C}" type="slidenum">
+            <a:fld id="{C2E8BF66-C374-476B-AB65-C2B5C4F60D73}" type="slidenum">
               <a:rPr b="0" lang="en-US" sz="1200" spc="-1" strike="noStrike">
                 <a:solidFill>
                   <a:srgbClr val="8b8b8b"/>
@@ -5138,7 +5138,7 @@
         <p:spPr>
           <a:xfrm>
             <a:off x="457200" y="6356520"/>
-            <a:ext cx="2122920" cy="354240"/>
+            <a:ext cx="2116440" cy="347760"/>
           </a:xfrm>
           <a:prstGeom prst="rect">
             <a:avLst/>
@@ -5455,7 +5455,7 @@
         <p:spPr>
           <a:xfrm>
             <a:off x="3124080" y="6356520"/>
-            <a:ext cx="2884680" cy="354240"/>
+            <a:ext cx="2878200" cy="347760"/>
           </a:xfrm>
           <a:prstGeom prst="rect">
             <a:avLst/>
@@ -5520,7 +5520,7 @@
         <p:spPr>
           <a:xfrm>
             <a:off x="6553080" y="6356520"/>
-            <a:ext cx="2122920" cy="354240"/>
+            <a:ext cx="2116440" cy="347760"/>
           </a:xfrm>
           <a:prstGeom prst="rect">
             <a:avLst/>
@@ -5556,7 +5556,7 @@
               </a:lnSpc>
               <a:buNone/>
             </a:pPr>
-            <a:fld id="{D0EC009F-58EA-4FC7-87E6-7BE67A1ABD94}" type="slidenum">
+            <a:fld id="{F1882303-BCA2-45F4-A2E0-734D3B67CBC5}" type="slidenum">
               <a:rPr b="0" lang="en-US" sz="1200" spc="-1" strike="noStrike">
                 <a:solidFill>
                   <a:srgbClr val="8b8b8b"/>
@@ -5585,7 +5585,7 @@
         <p:spPr>
           <a:xfrm>
             <a:off x="457200" y="6356520"/>
-            <a:ext cx="2122920" cy="354240"/>
+            <a:ext cx="2116440" cy="347760"/>
           </a:xfrm>
           <a:prstGeom prst="rect">
             <a:avLst/>
@@ -5895,7 +5895,7 @@
         <p:spPr>
           <a:xfrm>
             <a:off x="0" y="2130480"/>
-            <a:ext cx="9133200" cy="1459080"/>
+            <a:ext cx="9126720" cy="1452600"/>
           </a:xfrm>
           <a:prstGeom prst="rect">
             <a:avLst/>
@@ -5947,7 +5947,7 @@
         <p:spPr>
           <a:xfrm>
             <a:off x="1371600" y="4563360"/>
-            <a:ext cx="6390000" cy="684000"/>
+            <a:ext cx="6383520" cy="677520"/>
           </a:xfrm>
           <a:prstGeom prst="rect">
             <a:avLst/>
@@ -6003,7 +6003,7 @@
         <p:spPr>
           <a:xfrm>
             <a:off x="4212000" y="3645000"/>
-            <a:ext cx="930960" cy="902160"/>
+            <a:ext cx="924480" cy="895680"/>
           </a:xfrm>
           <a:prstGeom prst="rect">
             <a:avLst/>
@@ -6027,7 +6027,7 @@
         <p:txBody>
           <a:bodyPr/>
           <a:p>
-            <a:fld id="{E999EEA7-1C08-47E1-B38F-BCBB08D8371A}" type="slidenum">
+            <a:fld id="{9CC3B074-13C2-4665-B608-5EAAF97B18B8}" type="slidenum">
               <a:t>1</a:t>
             </a:fld>
           </a:p>
@@ -6047,7 +6047,7 @@
         <p:txBody>
           <a:bodyPr/>
           <a:p>
-            <a:fld id="{128F43DC-CDFF-484F-B27F-DB785811ED10}" type="datetime1">
+            <a:fld id="{FC4E3735-1676-49EA-95B4-AFD3A956C040}" type="datetime1">
               <a:rPr lang="en-US"/>
               <a:t>08/07/2023</a:t>
             </a:fld>
@@ -6097,7 +6097,7 @@
         <p:spPr>
           <a:xfrm>
             <a:off x="0" y="0"/>
-            <a:ext cx="9133200" cy="753840"/>
+            <a:ext cx="9126720" cy="747360"/>
           </a:xfrm>
           <a:prstGeom prst="rect">
             <a:avLst/>
@@ -6157,7 +6157,7 @@
         <p:spPr>
           <a:xfrm>
             <a:off x="457200" y="1298520"/>
-            <a:ext cx="8342280" cy="5095080"/>
+            <a:ext cx="8335800" cy="5088600"/>
           </a:xfrm>
           <a:prstGeom prst="rect">
             <a:avLst/>
@@ -6380,7 +6380,7 @@
         <p:spPr>
           <a:xfrm>
             <a:off x="-8640" y="759600"/>
-            <a:ext cx="9133200" cy="349200"/>
+            <a:ext cx="9126720" cy="342720"/>
           </a:xfrm>
           <a:prstGeom prst="rect">
             <a:avLst/>
@@ -6408,7 +6408,7 @@
         </p:style>
         <p:txBody>
           <a:bodyPr lIns="90000" rIns="90000" tIns="45000" bIns="45000" anchor="ctr">
-            <a:normAutofit fontScale="94000"/>
+            <a:normAutofit fontScale="92000"/>
           </a:bodyPr>
           <a:p>
             <a:pPr>
@@ -6428,7 +6428,7 @@
                 <a:latin typeface="Calibri"/>
                 <a:ea typeface="DejaVu Sans"/>
               </a:rPr>
-              <a:t>https://inst.eecs.berkeley.edu/~cs182/sp23/</a:t>
+              <a:t>https://cs182sp21.github.io/</a:t>
             </a:r>
             <a:endParaRPr b="0" lang="en-US" sz="1800" spc="-1" strike="noStrike">
               <a:latin typeface="Arial"/>
@@ -6449,7 +6449,7 @@
         <p:spPr>
           <a:xfrm>
             <a:off x="6553080" y="6356520"/>
-            <a:ext cx="2122920" cy="354240"/>
+            <a:ext cx="2116440" cy="347760"/>
           </a:xfrm>
           <a:prstGeom prst="rect">
             <a:avLst/>
@@ -6485,7 +6485,7 @@
               </a:lnSpc>
               <a:buNone/>
             </a:pPr>
-            <a:fld id="{43063E89-028C-495F-9628-38426E646668}" type="slidenum">
+            <a:fld id="{F85C03F7-4E3A-49EE-80B0-453F89A16F9F}" type="slidenum">
               <a:rPr b="0" lang="en-US" sz="1200" spc="-1" strike="noStrike">
                 <a:solidFill>
                   <a:srgbClr val="8b8b8b"/>
@@ -6493,7 +6493,7 @@
                 <a:latin typeface="Calibri"/>
                 <a:ea typeface="DejaVu Sans"/>
               </a:rPr>
-              <a:t>2</a:t>
+              <a:t>&lt;number&gt;</a:t>
             </a:fld>
             <a:endParaRPr b="0" lang="en-US" sz="1200" spc="-1" strike="noStrike">
               <a:latin typeface="Times New Roman"/>
@@ -6515,7 +6515,7 @@
         <p:txBody>
           <a:bodyPr/>
           <a:p>
-            <a:fld id="{30909D81-9E93-4C39-BD09-C5BA04154421}" type="datetime1">
+            <a:fld id="{A1B399FA-3D58-4225-9673-6F60FF7C85C5}" type="datetime1">
               <a:rPr lang="en-US"/>
               <a:t>08/07/2023</a:t>
             </a:fld>
@@ -6565,7 +6565,7 @@
         <p:spPr>
           <a:xfrm>
             <a:off x="0" y="0"/>
-            <a:ext cx="9133200" cy="753840"/>
+            <a:ext cx="9126720" cy="747360"/>
           </a:xfrm>
           <a:prstGeom prst="rect">
             <a:avLst/>
@@ -6625,7 +6625,7 @@
         <p:spPr>
           <a:xfrm>
             <a:off x="457200" y="1298520"/>
-            <a:ext cx="8342280" cy="292320"/>
+            <a:ext cx="8335800" cy="285840"/>
           </a:xfrm>
           <a:prstGeom prst="rect">
             <a:avLst/>
@@ -6680,7 +6680,7 @@
         <p:spPr>
           <a:xfrm>
             <a:off x="-8640" y="759600"/>
-            <a:ext cx="9133200" cy="349200"/>
+            <a:ext cx="9126720" cy="342720"/>
           </a:xfrm>
           <a:prstGeom prst="rect">
             <a:avLst/>
@@ -6708,7 +6708,7 @@
         </p:style>
         <p:txBody>
           <a:bodyPr lIns="90000" rIns="90000" tIns="45000" bIns="45000" anchor="ctr">
-            <a:normAutofit fontScale="94000"/>
+            <a:normAutofit fontScale="92000"/>
           </a:bodyPr>
           <a:p>
             <a:pPr>
@@ -6728,7 +6728,7 @@
                 <a:latin typeface="Calibri"/>
                 <a:ea typeface="DejaVu Sans"/>
               </a:rPr>
-              <a:t>https://inst.eecs.berkeley.edu/~cs182/sp23/</a:t>
+              <a:t>https://cs182sp21.github.io/</a:t>
             </a:r>
             <a:endParaRPr b="0" lang="en-US" sz="1800" spc="-1" strike="noStrike">
               <a:latin typeface="Arial"/>
@@ -6749,7 +6749,7 @@
         <p:spPr>
           <a:xfrm>
             <a:off x="6553080" y="6356520"/>
-            <a:ext cx="2122920" cy="354240"/>
+            <a:ext cx="2116440" cy="347760"/>
           </a:xfrm>
           <a:prstGeom prst="rect">
             <a:avLst/>
@@ -6785,7 +6785,7 @@
               </a:lnSpc>
               <a:buNone/>
             </a:pPr>
-            <a:fld id="{B5BA15E4-C1D0-404B-8ECB-F3336896F53E}" type="slidenum">
+            <a:fld id="{E6BE6277-8B58-47ED-BFA2-7DF390876438}" type="slidenum">
               <a:rPr b="0" lang="en-US" sz="1200" spc="-1" strike="noStrike">
                 <a:solidFill>
                   <a:srgbClr val="8b8b8b"/>
@@ -6793,7 +6793,7 @@
                 <a:latin typeface="Calibri"/>
                 <a:ea typeface="DejaVu Sans"/>
               </a:rPr>
-              <a:t>3</a:t>
+              <a:t>&lt;number&gt;</a:t>
             </a:fld>
             <a:endParaRPr b="0" lang="en-US" sz="1200" spc="-1" strike="noStrike">
               <a:latin typeface="Times New Roman"/>
@@ -6808,19 +6808,19 @@
           <p:nvPr/>
         </p:nvGraphicFramePr>
         <p:xfrm>
-          <a:off x="346680" y="1647720"/>
-          <a:ext cx="8339760" cy="3885120"/>
+          <a:off x="228600" y="1828800"/>
+          <a:ext cx="8686440" cy="4571640"/>
         </p:xfrm>
         <a:graphic>
           <a:graphicData uri="http://schemas.openxmlformats.org/drawingml/2006/table">
             <a:tbl>
               <a:tblPr/>
               <a:tblGrid>
-                <a:gridCol w="819000"/>
-                <a:gridCol w="4736520"/>
-                <a:gridCol w="2784600"/>
+                <a:gridCol w="583920"/>
+                <a:gridCol w="5956560"/>
+                <a:gridCol w="2146320"/>
               </a:tblGrid>
-              <a:tr h="349920">
+              <a:tr h="329400">
                 <a:tc>
                   <a:txBody>
                     <a:bodyPr lIns="90000" rIns="90000" anchor="t">
@@ -6969,7 +6969,7 @@
                   </a:tcPr>
                 </a:tc>
               </a:tr>
-              <a:tr h="443520">
+              <a:tr h="555480">
                 <a:tc>
                   <a:txBody>
                     <a:bodyPr lIns="90000" rIns="90000" anchor="t">
@@ -7086,28 +7086,6 @@
                   </a:tcPr>
                 </a:tc>
                 <a:tc>
-                  <a:txBody>
-                    <a:bodyPr lIns="90000" rIns="90000" anchor="t">
-                      <a:noAutofit/>
-                    </a:bodyPr>
-                    <a:p>
-                      <a:pPr>
-                        <a:lnSpc>
-                          <a:spcPct val="100000"/>
-                        </a:lnSpc>
-                        <a:buNone/>
-                      </a:pPr>
-                      <a:r>
-                        <a:rPr b="0" lang="en-US" sz="1400" spc="-1" strike="noStrike">
-                          <a:latin typeface="Arial"/>
-                        </a:rPr>
-                        <a:t>HW1: Written, Code, Solution</a:t>
-                      </a:r>
-                      <a:endParaRPr b="0" lang="en-US" sz="1400" spc="-1" strike="noStrike">
-                        <a:latin typeface="Arial"/>
-                      </a:endParaRPr>
-                    </a:p>
-                  </a:txBody>
                   <a:tcPr anchor="t" marL="90000" marR="90000">
                     <a:lnL w="720">
                       <a:solidFill>
@@ -7135,7 +7113,7 @@
                   </a:tcPr>
                 </a:tc>
               </a:tr>
-              <a:tr h="443520">
+              <a:tr h="555480">
                 <a:tc>
                   <a:txBody>
                     <a:bodyPr lIns="90000" rIns="90000" anchor="t">
@@ -7252,28 +7230,6 @@
                   </a:tcPr>
                 </a:tc>
                 <a:tc>
-                  <a:txBody>
-                    <a:bodyPr lIns="90000" rIns="90000" anchor="t">
-                      <a:noAutofit/>
-                    </a:bodyPr>
-                    <a:p>
-                      <a:pPr>
-                        <a:lnSpc>
-                          <a:spcPct val="100000"/>
-                        </a:lnSpc>
-                        <a:buNone/>
-                      </a:pPr>
-                      <a:r>
-                        <a:rPr b="0" lang="en-US" sz="1400" spc="-1" strike="noStrike">
-                          <a:latin typeface="Arial"/>
-                        </a:rPr>
-                        <a:t>HW2: Written, Code, Solution</a:t>
-                      </a:r>
-                      <a:endParaRPr b="0" lang="en-US" sz="1400" spc="-1" strike="noStrike">
-                        <a:latin typeface="Arial"/>
-                      </a:endParaRPr>
-                    </a:p>
-                  </a:txBody>
                   <a:tcPr anchor="t" marL="90000" marR="90000">
                     <a:lnL w="720">
                       <a:solidFill>
@@ -7301,7 +7257,7 @@
                   </a:tcPr>
                 </a:tc>
               </a:tr>
-              <a:tr h="452160">
+              <a:tr h="555480">
                 <a:tc>
                   <a:txBody>
                     <a:bodyPr lIns="90000" rIns="90000" anchor="t">
@@ -7467,7 +7423,7 @@
                   </a:tcPr>
                 </a:tc>
               </a:tr>
-              <a:tr h="470880">
+              <a:tr h="555480">
                 <a:tc>
                   <a:txBody>
                     <a:bodyPr lIns="90000" rIns="90000" anchor="t">
@@ -7599,7 +7555,7 @@
                         <a:rPr b="0" lang="en-US" sz="1400" spc="-1" strike="noStrike">
                           <a:latin typeface="Arial"/>
                         </a:rPr>
-                        <a:t>HW4</a:t>
+                        <a:t>               </a:t>
                       </a:r>
                       <a:endParaRPr b="0" lang="en-US" sz="1400" spc="-1" strike="noStrike">
                         <a:latin typeface="Arial"/>
@@ -7633,7 +7589,7 @@
                   </a:tcPr>
                 </a:tc>
               </a:tr>
-              <a:tr h="443520">
+              <a:tr h="578160">
                 <a:tc>
                   <a:txBody>
                     <a:bodyPr lIns="90000" rIns="90000" anchor="t">
@@ -7799,7 +7755,7 @@
                   </a:tcPr>
                 </a:tc>
               </a:tr>
-              <a:tr h="394560">
+              <a:tr h="555480">
                 <a:tc>
                   <a:txBody>
                     <a:bodyPr lIns="90000" rIns="90000" anchor="t">
@@ -7931,7 +7887,7 @@
                         <a:rPr b="0" lang="en-US" sz="1400" spc="-1" strike="noStrike">
                           <a:latin typeface="Arial"/>
                         </a:rPr>
-                        <a:t>HW6</a:t>
+                        <a:t>      </a:t>
                       </a:r>
                       <a:endParaRPr b="0" lang="en-US" sz="1400" spc="-1" strike="noStrike">
                         <a:latin typeface="Arial"/>
@@ -7965,7 +7921,7 @@
                   </a:tcPr>
                 </a:tc>
               </a:tr>
-              <a:tr h="443520">
+              <a:tr h="555480">
                 <a:tc>
                   <a:txBody>
                     <a:bodyPr lIns="90000" rIns="90000" anchor="t">
@@ -8131,7 +8087,7 @@
                   </a:tcPr>
                 </a:tc>
               </a:tr>
-              <a:tr h="443880">
+              <a:tr h="331560">
                 <a:tc>
                   <a:txBody>
                     <a:bodyPr lIns="90000" rIns="90000" anchor="t">
@@ -8277,7 +8233,7 @@
         <p:txBody>
           <a:bodyPr/>
           <a:p>
-            <a:fld id="{DF0A6264-8FB8-4858-A978-0AC8FEE87781}" type="datetime1">
+            <a:fld id="{D3CDFC94-EC19-4105-8FAD-F2791DAF5B92}" type="datetime1">
               <a:rPr lang="en-US"/>
               <a:t>08/07/2023</a:t>
             </a:fld>
@@ -8327,7 +8283,7 @@
         <p:spPr>
           <a:xfrm>
             <a:off x="0" y="0"/>
-            <a:ext cx="9133200" cy="753840"/>
+            <a:ext cx="9126720" cy="747360"/>
           </a:xfrm>
           <a:prstGeom prst="rect">
             <a:avLst/>
@@ -8387,7 +8343,7 @@
         <p:spPr>
           <a:xfrm>
             <a:off x="457200" y="1298520"/>
-            <a:ext cx="8342280" cy="292320"/>
+            <a:ext cx="8335800" cy="285840"/>
           </a:xfrm>
           <a:prstGeom prst="rect">
             <a:avLst/>
@@ -8442,7 +8398,7 @@
         <p:spPr>
           <a:xfrm>
             <a:off x="-8640" y="759600"/>
-            <a:ext cx="9133200" cy="349200"/>
+            <a:ext cx="9126720" cy="342720"/>
           </a:xfrm>
           <a:prstGeom prst="rect">
             <a:avLst/>
@@ -8470,7 +8426,7 @@
         </p:style>
         <p:txBody>
           <a:bodyPr lIns="90000" rIns="90000" tIns="45000" bIns="45000" anchor="ctr">
-            <a:normAutofit fontScale="94000"/>
+            <a:normAutofit fontScale="92000"/>
           </a:bodyPr>
           <a:p>
             <a:pPr>
@@ -8490,7 +8446,7 @@
                 <a:latin typeface="Calibri"/>
                 <a:ea typeface="DejaVu Sans"/>
               </a:rPr>
-              <a:t>https://inst.eecs.berkeley.edu/~cs182/sp23/</a:t>
+              <a:t>https://cs182sp21.github.io/</a:t>
             </a:r>
             <a:endParaRPr b="0" lang="en-US" sz="1800" spc="-1" strike="noStrike">
               <a:latin typeface="Arial"/>
@@ -8511,7 +8467,7 @@
         <p:spPr>
           <a:xfrm>
             <a:off x="6553080" y="6356520"/>
-            <a:ext cx="2122920" cy="354240"/>
+            <a:ext cx="2116440" cy="347760"/>
           </a:xfrm>
           <a:prstGeom prst="rect">
             <a:avLst/>
@@ -8547,7 +8503,7 @@
               </a:lnSpc>
               <a:buNone/>
             </a:pPr>
-            <a:fld id="{94F0743F-4A77-441B-B1B3-8A752BB58BCA}" type="slidenum">
+            <a:fld id="{067677BD-4000-4435-A85F-2DE37F4C2780}" type="slidenum">
               <a:rPr b="0" lang="en-US" sz="1200" spc="-1" strike="noStrike">
                 <a:solidFill>
                   <a:srgbClr val="8b8b8b"/>
@@ -8555,7 +8511,7 @@
                 <a:latin typeface="Calibri"/>
                 <a:ea typeface="DejaVu Sans"/>
               </a:rPr>
-              <a:t>4</a:t>
+              <a:t>&lt;number&gt;</a:t>
             </a:fld>
             <a:endParaRPr b="0" lang="en-US" sz="1200" spc="-1" strike="noStrike">
               <a:latin typeface="Times New Roman"/>
@@ -9033,7 +8989,7 @@
                         <a:rPr b="0" lang="en-US" sz="1600" spc="-1" strike="noStrike">
                           <a:latin typeface="aakar"/>
                         </a:rPr>
-                        <a:t>HW9</a:t>
+                        <a:t>      </a:t>
                       </a:r>
                       <a:endParaRPr b="0" lang="en-US" sz="1600" spc="-1" strike="noStrike">
                         <a:latin typeface="Arial"/>
@@ -9201,7 +9157,7 @@
                         <a:rPr b="0" lang="en-US" sz="1600" spc="-1" strike="noStrike">
                           <a:latin typeface="aakar"/>
                         </a:rPr>
-                        <a:t>HW10</a:t>
+                        <a:t>      </a:t>
                       </a:r>
                       <a:endParaRPr b="0" lang="en-US" sz="1600" spc="-1" strike="noStrike">
                         <a:latin typeface="Arial"/>
@@ -9351,7 +9307,7 @@
                         <a:rPr b="0" lang="en-US" sz="1600" spc="-1" strike="noStrike">
                           <a:latin typeface="aakar"/>
                         </a:rPr>
-                        <a:t>HW11</a:t>
+                        <a:t>      </a:t>
                       </a:r>
                       <a:endParaRPr b="0" lang="en-US" sz="1600" spc="-1" strike="noStrike">
                         <a:latin typeface="Arial"/>
@@ -9501,7 +9457,7 @@
                         <a:rPr b="0" lang="en-US" sz="1600" spc="-1" strike="noStrike">
                           <a:latin typeface="aakar"/>
                         </a:rPr>
-                        <a:t>HW12</a:t>
+                        <a:t>      </a:t>
                       </a:r>
                       <a:endParaRPr b="0" lang="en-US" sz="1600" spc="-1" strike="noStrike">
                         <a:latin typeface="Arial"/>
@@ -9651,7 +9607,7 @@
                         <a:rPr b="0" lang="en-US" sz="1600" spc="-1" strike="noStrike">
                           <a:latin typeface="aakar"/>
                         </a:rPr>
-                        <a:t>HW13</a:t>
+                        <a:t>      </a:t>
                       </a:r>
                       <a:endParaRPr b="0" lang="en-US" sz="1600" spc="-1" strike="noStrike">
                         <a:latin typeface="Arial"/>
@@ -9852,7 +9808,7 @@
         <p:txBody>
           <a:bodyPr/>
           <a:p>
-            <a:fld id="{C18FF22A-0247-484A-A9DC-D25C0362224F}" type="datetime1">
+            <a:fld id="{88355D7E-70A2-46C8-B0AC-8DF1CE3F065B}" type="datetime1">
               <a:rPr lang="en-US"/>
               <a:t>08/07/2023</a:t>
             </a:fld>
@@ -9902,7 +9858,7 @@
         <p:spPr>
           <a:xfrm>
             <a:off x="0" y="2130480"/>
-            <a:ext cx="9133200" cy="1459080"/>
+            <a:ext cx="9126720" cy="1452600"/>
           </a:xfrm>
           <a:prstGeom prst="rect">
             <a:avLst/>
@@ -9963,7 +9919,7 @@
         <p:txBody>
           <a:bodyPr/>
           <a:p>
-            <a:fld id="{B5E9E1A5-9E7B-48B9-85E2-9308018B6BF9}" type="slidenum">
+            <a:fld id="{67A17B4C-36C0-4CC0-BC8F-E6668B1A55D6}" type="slidenum">
               <a:t>5</a:t>
             </a:fld>
           </a:p>
@@ -9983,7 +9939,7 @@
         <p:txBody>
           <a:bodyPr/>
           <a:p>
-            <a:fld id="{56B25AC2-3632-46E5-89C7-B6CF3D0BD09B}" type="datetime1">
+            <a:fld id="{C90E613A-E5F4-419D-A438-1E44B38D2994}" type="datetime1">
               <a:rPr lang="en-US"/>
               <a:t>08/07/2023</a:t>
             </a:fld>
